--- a/ppt/파이썬 스터디 C_C++ 연계.pptx
+++ b/ppt/파이썬 스터디 C_C++ 연계.pptx
@@ -1,6 +1,6 @@
 
 <file path=ppt/presentation.xml><?xml version="1.0" encoding="utf-8"?>
-<p:presentation xmlns:a="http://schemas.openxmlformats.org/drawingml/2006/main" xmlns:r="http://schemas.openxmlformats.org/officeDocument/2006/relationships" xmlns:p="http://schemas.openxmlformats.org/presentationml/2006/main" saveSubsetFonts="1">
+<p:presentation xmlns:a="http://schemas.openxmlformats.org/drawingml/2006/main" xmlns:r="http://schemas.openxmlformats.org/officeDocument/2006/relationships" xmlns:p="http://schemas.openxmlformats.org/presentationml/2006/main" embedTrueTypeFonts="1" saveSubsetFonts="1">
   <p:sldMasterIdLst>
     <p:sldMasterId id="2147483648" r:id="rId1"/>
   </p:sldMasterIdLst>
@@ -19,6 +19,25 @@
   </p:sldIdLst>
   <p:sldSz cx="12192000" cy="6858000"/>
   <p:notesSz cx="6858000" cy="9144000"/>
+  <p:embeddedFontLst>
+    <p:embeddedFont>
+      <p:font typeface="HY견고딕" panose="02030600000101010101" pitchFamily="18" charset="-127"/>
+      <p:regular r:id="rId13"/>
+    </p:embeddedFont>
+    <p:embeddedFont>
+      <p:font typeface="Tmon몬소리 Black" panose="02000A03000000000000" pitchFamily="2" charset="-127"/>
+      <p:bold r:id="rId14"/>
+    </p:embeddedFont>
+    <p:embeddedFont>
+      <p:font typeface="맑은 고딕" panose="020B0503020000020004" pitchFamily="50" charset="-127"/>
+      <p:regular r:id="rId15"/>
+      <p:bold r:id="rId16"/>
+    </p:embeddedFont>
+    <p:embeddedFont>
+      <p:font typeface="Tium" panose="02000800000000000000" pitchFamily="2" charset="0"/>
+      <p:bold r:id="rId17"/>
+    </p:embeddedFont>
+  </p:embeddedFontLst>
   <p:defaultTextStyle>
     <a:defPPr>
       <a:defRPr lang="ko-KR"/>
@@ -251,7 +270,7 @@
           <a:p>
             <a:fld id="{5357D70D-0FC2-4F0F-94F2-74B024D3FA26}" type="datetimeFigureOut">
               <a:rPr lang="ko-KR" altLang="en-US" smtClean="0"/>
-              <a:t>2016-10-12</a:t>
+              <a:t>2016-10-13</a:t>
             </a:fld>
             <a:endParaRPr lang="ko-KR" altLang="en-US"/>
           </a:p>
@@ -419,7 +438,7 @@
           <a:p>
             <a:fld id="{5357D70D-0FC2-4F0F-94F2-74B024D3FA26}" type="datetimeFigureOut">
               <a:rPr lang="ko-KR" altLang="en-US" smtClean="0"/>
-              <a:t>2016-10-12</a:t>
+              <a:t>2016-10-13</a:t>
             </a:fld>
             <a:endParaRPr lang="ko-KR" altLang="en-US"/>
           </a:p>
@@ -597,7 +616,7 @@
           <a:p>
             <a:fld id="{5357D70D-0FC2-4F0F-94F2-74B024D3FA26}" type="datetimeFigureOut">
               <a:rPr lang="ko-KR" altLang="en-US" smtClean="0"/>
-              <a:t>2016-10-12</a:t>
+              <a:t>2016-10-13</a:t>
             </a:fld>
             <a:endParaRPr lang="ko-KR" altLang="en-US"/>
           </a:p>
@@ -765,7 +784,7 @@
           <a:p>
             <a:fld id="{5357D70D-0FC2-4F0F-94F2-74B024D3FA26}" type="datetimeFigureOut">
               <a:rPr lang="ko-KR" altLang="en-US" smtClean="0"/>
-              <a:t>2016-10-12</a:t>
+              <a:t>2016-10-13</a:t>
             </a:fld>
             <a:endParaRPr lang="ko-KR" altLang="en-US"/>
           </a:p>
@@ -1010,7 +1029,7 @@
           <a:p>
             <a:fld id="{5357D70D-0FC2-4F0F-94F2-74B024D3FA26}" type="datetimeFigureOut">
               <a:rPr lang="ko-KR" altLang="en-US" smtClean="0"/>
-              <a:t>2016-10-12</a:t>
+              <a:t>2016-10-13</a:t>
             </a:fld>
             <a:endParaRPr lang="ko-KR" altLang="en-US"/>
           </a:p>
@@ -1239,7 +1258,7 @@
           <a:p>
             <a:fld id="{5357D70D-0FC2-4F0F-94F2-74B024D3FA26}" type="datetimeFigureOut">
               <a:rPr lang="ko-KR" altLang="en-US" smtClean="0"/>
-              <a:t>2016-10-12</a:t>
+              <a:t>2016-10-13</a:t>
             </a:fld>
             <a:endParaRPr lang="ko-KR" altLang="en-US"/>
           </a:p>
@@ -1603,7 +1622,7 @@
           <a:p>
             <a:fld id="{5357D70D-0FC2-4F0F-94F2-74B024D3FA26}" type="datetimeFigureOut">
               <a:rPr lang="ko-KR" altLang="en-US" smtClean="0"/>
-              <a:t>2016-10-12</a:t>
+              <a:t>2016-10-13</a:t>
             </a:fld>
             <a:endParaRPr lang="ko-KR" altLang="en-US"/>
           </a:p>
@@ -1720,7 +1739,7 @@
           <a:p>
             <a:fld id="{5357D70D-0FC2-4F0F-94F2-74B024D3FA26}" type="datetimeFigureOut">
               <a:rPr lang="ko-KR" altLang="en-US" smtClean="0"/>
-              <a:t>2016-10-12</a:t>
+              <a:t>2016-10-13</a:t>
             </a:fld>
             <a:endParaRPr lang="ko-KR" altLang="en-US"/>
           </a:p>
@@ -1815,7 +1834,7 @@
           <a:p>
             <a:fld id="{5357D70D-0FC2-4F0F-94F2-74B024D3FA26}" type="datetimeFigureOut">
               <a:rPr lang="ko-KR" altLang="en-US" smtClean="0"/>
-              <a:t>2016-10-12</a:t>
+              <a:t>2016-10-13</a:t>
             </a:fld>
             <a:endParaRPr lang="ko-KR" altLang="en-US"/>
           </a:p>
@@ -2090,7 +2109,7 @@
           <a:p>
             <a:fld id="{5357D70D-0FC2-4F0F-94F2-74B024D3FA26}" type="datetimeFigureOut">
               <a:rPr lang="ko-KR" altLang="en-US" smtClean="0"/>
-              <a:t>2016-10-12</a:t>
+              <a:t>2016-10-13</a:t>
             </a:fld>
             <a:endParaRPr lang="ko-KR" altLang="en-US"/>
           </a:p>
@@ -2342,7 +2361,7 @@
           <a:p>
             <a:fld id="{5357D70D-0FC2-4F0F-94F2-74B024D3FA26}" type="datetimeFigureOut">
               <a:rPr lang="ko-KR" altLang="en-US" smtClean="0"/>
-              <a:t>2016-10-12</a:t>
+              <a:t>2016-10-13</a:t>
             </a:fld>
             <a:endParaRPr lang="ko-KR" altLang="en-US"/>
           </a:p>
@@ -2556,7 +2575,7 @@
           <a:p>
             <a:fld id="{5357D70D-0FC2-4F0F-94F2-74B024D3FA26}" type="datetimeFigureOut">
               <a:rPr lang="ko-KR" altLang="en-US" smtClean="0"/>
-              <a:t>2016-10-12</a:t>
+              <a:t>2016-10-13</a:t>
             </a:fld>
             <a:endParaRPr lang="ko-KR" altLang="en-US"/>
           </a:p>
@@ -3267,6 +3286,16 @@
                 <a:ea typeface="HY견고딕" panose="02030600000101010101" pitchFamily="18" charset="-127"/>
               </a:rPr>
               <a:t>에 대해서 </a:t>
+            </a:r>
+            <a:r>
+              <a:rPr lang="en-US" altLang="ko-KR" sz="4000" b="1" dirty="0">
+                <a:solidFill>
+                  <a:schemeClr val="bg1"/>
+                </a:solidFill>
+                <a:latin typeface="HY견고딕" panose="02030600000101010101" pitchFamily="18" charset="-127"/>
+                <a:ea typeface="HY견고딕" panose="02030600000101010101" pitchFamily="18" charset="-127"/>
+              </a:rPr>
+              <a:t/>
             </a:r>
             <a:br>
               <a:rPr lang="en-US" altLang="ko-KR" sz="4000" b="1" dirty="0">
